--- a/Week 2/Challenge/MCR2_MiniChallenge_2.pptx
+++ b/Week 2/Challenge/MCR2_MiniChallenge_2.pptx
@@ -126,7 +126,7 @@
 <file path=ppt/revisionInfo.xml><?xml version="1.0" encoding="utf-8"?>
 <p1510:revInfo xmlns:a="http://schemas.openxmlformats.org/drawingml/2006/main" xmlns:r="http://schemas.openxmlformats.org/officeDocument/2006/relationships" xmlns:p1510="http://schemas.microsoft.com/office/powerpoint/2015/10/main">
   <p1510:revLst>
-    <p1510:client id="{5EE17BFC-AD17-4CD0-8924-A71333AAEA46}" v="538" dt="2023-02-10T22:04:07.079"/>
+    <p1510:client id="{5EE17BFC-AD17-4CD0-8924-A71333AAEA46}" v="539" dt="2023-02-20T03:36:52.078"/>
   </p1510:revLst>
 </p1510:revInfo>
 </file>
@@ -136,18 +136,18 @@
   <pc:docChgLst>
     <pc:chgData name="Mario Martinez" userId="3a8698ea-445f-4751-a923-c95ba728fd8c" providerId="ADAL" clId="{5EE17BFC-AD17-4CD0-8924-A71333AAEA46}"/>
     <pc:docChg chg="undo redo custSel addSld delSld modSld sldOrd">
-      <pc:chgData name="Mario Martinez" userId="3a8698ea-445f-4751-a923-c95ba728fd8c" providerId="ADAL" clId="{5EE17BFC-AD17-4CD0-8924-A71333AAEA46}" dt="2023-02-10T22:07:06.253" v="6577" actId="20577"/>
+      <pc:chgData name="Mario Martinez" userId="3a8698ea-445f-4751-a923-c95ba728fd8c" providerId="ADAL" clId="{5EE17BFC-AD17-4CD0-8924-A71333AAEA46}" dt="2023-02-20T03:36:52.078" v="6589" actId="20577"/>
       <pc:docMkLst>
         <pc:docMk/>
       </pc:docMkLst>
       <pc:sldChg chg="modSp mod">
-        <pc:chgData name="Mario Martinez" userId="3a8698ea-445f-4751-a923-c95ba728fd8c" providerId="ADAL" clId="{5EE17BFC-AD17-4CD0-8924-A71333AAEA46}" dt="2023-02-08T19:32:02.746" v="1077" actId="20577"/>
+        <pc:chgData name="Mario Martinez" userId="3a8698ea-445f-4751-a923-c95ba728fd8c" providerId="ADAL" clId="{5EE17BFC-AD17-4CD0-8924-A71333AAEA46}" dt="2023-02-20T03:30:54.716" v="6579" actId="20577"/>
         <pc:sldMkLst>
           <pc:docMk/>
           <pc:sldMk cId="2022090726" sldId="298"/>
         </pc:sldMkLst>
         <pc:spChg chg="mod">
-          <ac:chgData name="Mario Martinez" userId="3a8698ea-445f-4751-a923-c95ba728fd8c" providerId="ADAL" clId="{5EE17BFC-AD17-4CD0-8924-A71333AAEA46}" dt="2023-02-08T19:32:02.746" v="1077" actId="20577"/>
+          <ac:chgData name="Mario Martinez" userId="3a8698ea-445f-4751-a923-c95ba728fd8c" providerId="ADAL" clId="{5EE17BFC-AD17-4CD0-8924-A71333AAEA46}" dt="2023-02-20T03:30:54.716" v="6579" actId="20577"/>
           <ac:spMkLst>
             <pc:docMk/>
             <pc:sldMk cId="2022090726" sldId="298"/>
@@ -156,13 +156,13 @@
         </pc:spChg>
       </pc:sldChg>
       <pc:sldChg chg="modSp mod ord modClrScheme chgLayout">
-        <pc:chgData name="Mario Martinez" userId="3a8698ea-445f-4751-a923-c95ba728fd8c" providerId="ADAL" clId="{5EE17BFC-AD17-4CD0-8924-A71333AAEA46}" dt="2023-02-10T20:36:57.709" v="5404" actId="20577"/>
+        <pc:chgData name="Mario Martinez" userId="3a8698ea-445f-4751-a923-c95ba728fd8c" providerId="ADAL" clId="{5EE17BFC-AD17-4CD0-8924-A71333AAEA46}" dt="2023-02-20T03:36:52.078" v="6589" actId="20577"/>
         <pc:sldMkLst>
           <pc:docMk/>
           <pc:sldMk cId="3230793694" sldId="299"/>
         </pc:sldMkLst>
         <pc:spChg chg="mod ord">
-          <ac:chgData name="Mario Martinez" userId="3a8698ea-445f-4751-a923-c95ba728fd8c" providerId="ADAL" clId="{5EE17BFC-AD17-4CD0-8924-A71333AAEA46}" dt="2023-02-10T20:28:12.139" v="4960" actId="27636"/>
+          <ac:chgData name="Mario Martinez" userId="3a8698ea-445f-4751-a923-c95ba728fd8c" providerId="ADAL" clId="{5EE17BFC-AD17-4CD0-8924-A71333AAEA46}" dt="2023-02-20T03:36:52.078" v="6589" actId="20577"/>
           <ac:spMkLst>
             <pc:docMk/>
             <pc:sldMk cId="3230793694" sldId="299"/>
@@ -1096,7 +1096,7 @@
           <a:p>
             <a:fld id="{59EA9D0C-4DBE-43CA-82F2-3B35ED902843}" type="datetimeFigureOut">
               <a:rPr lang="en-GB" smtClean="0"/>
-              <a:t>10/02/2023</a:t>
+              <a:t>19/02/2023</a:t>
             </a:fld>
             <a:endParaRPr lang="en-GB"/>
           </a:p>
@@ -1678,7 +1678,7 @@
           <a:p>
             <a:fld id="{28E8D346-A915-4882-A510-80C55F2B0290}" type="datetimeFigureOut">
               <a:rPr lang="en-GB" smtClean="0"/>
-              <a:t>10/02/2023</a:t>
+              <a:t>19/02/2023</a:t>
             </a:fld>
             <a:endParaRPr lang="en-GB"/>
           </a:p>
@@ -4691,7 +4691,7 @@
           <a:p>
             <a:fld id="{28E8D346-A915-4882-A510-80C55F2B0290}" type="datetimeFigureOut">
               <a:rPr lang="en-GB" smtClean="0"/>
-              <a:t>10/02/2023</a:t>
+              <a:t>19/02/2023</a:t>
             </a:fld>
             <a:endParaRPr lang="en-GB"/>
           </a:p>
@@ -5172,7 +5172,7 @@
           <a:p>
             <a:fld id="{28E8D346-A915-4882-A510-80C55F2B0290}" type="datetimeFigureOut">
               <a:rPr lang="en-GB" smtClean="0"/>
-              <a:t>10/02/2023</a:t>
+              <a:t>19/02/2023</a:t>
             </a:fld>
             <a:endParaRPr lang="en-GB"/>
           </a:p>
@@ -5495,7 +5495,7 @@
           <a:p>
             <a:fld id="{28E8D346-A915-4882-A510-80C55F2B0290}" type="datetimeFigureOut">
               <a:rPr lang="en-GB" smtClean="0"/>
-              <a:t>10/02/2023</a:t>
+              <a:t>19/02/2023</a:t>
             </a:fld>
             <a:endParaRPr lang="en-GB"/>
           </a:p>
@@ -5988,7 +5988,7 @@
           <a:p>
             <a:fld id="{28E8D346-A915-4882-A510-80C55F2B0290}" type="datetimeFigureOut">
               <a:rPr lang="en-GB" smtClean="0"/>
-              <a:t>10/02/2023</a:t>
+              <a:t>19/02/2023</a:t>
             </a:fld>
             <a:endParaRPr lang="en-GB"/>
           </a:p>
@@ -6507,7 +6507,7 @@
           <a:p>
             <a:fld id="{28E8D346-A915-4882-A510-80C55F2B0290}" type="datetimeFigureOut">
               <a:rPr lang="en-GB" smtClean="0"/>
-              <a:t>10/02/2023</a:t>
+              <a:t>19/02/2023</a:t>
             </a:fld>
             <a:endParaRPr lang="en-GB"/>
           </a:p>
@@ -7002,7 +7002,7 @@
           <a:p>
             <a:fld id="{28E8D346-A915-4882-A510-80C55F2B0290}" type="datetimeFigureOut">
               <a:rPr lang="en-GB" smtClean="0"/>
-              <a:t>10/02/2023</a:t>
+              <a:t>19/02/2023</a:t>
             </a:fld>
             <a:endParaRPr lang="en-GB"/>
           </a:p>
@@ -7609,7 +7609,7 @@
           <a:p>
             <a:fld id="{28E8D346-A915-4882-A510-80C55F2B0290}" type="datetimeFigureOut">
               <a:rPr lang="en-GB" smtClean="0"/>
-              <a:t>10/02/2023</a:t>
+              <a:t>19/02/2023</a:t>
             </a:fld>
             <a:endParaRPr lang="en-GB"/>
           </a:p>
@@ -8104,7 +8104,7 @@
           <a:p>
             <a:fld id="{28E8D346-A915-4882-A510-80C55F2B0290}" type="datetimeFigureOut">
               <a:rPr lang="en-GB" smtClean="0"/>
-              <a:t>10/02/2023</a:t>
+              <a:t>19/02/2023</a:t>
             </a:fld>
             <a:endParaRPr lang="en-GB"/>
           </a:p>
@@ -8867,7 +8867,7 @@
           <a:p>
             <a:fld id="{28E8D346-A915-4882-A510-80C55F2B0290}" type="datetimeFigureOut">
               <a:rPr lang="en-GB" smtClean="0"/>
-              <a:t>10/02/2023</a:t>
+              <a:t>19/02/2023</a:t>
             </a:fld>
             <a:endParaRPr lang="en-GB"/>
           </a:p>
@@ -9518,7 +9518,7 @@
           <a:p>
             <a:fld id="{28E8D346-A915-4882-A510-80C55F2B0290}" type="datetimeFigureOut">
               <a:rPr lang="en-GB" smtClean="0"/>
-              <a:t>10/02/2023</a:t>
+              <a:t>19/02/2023</a:t>
             </a:fld>
             <a:endParaRPr lang="en-GB"/>
           </a:p>
@@ -9897,7 +9897,7 @@
           <a:p>
             <a:fld id="{28E8D346-A915-4882-A510-80C55F2B0290}" type="datetimeFigureOut">
               <a:rPr lang="en-GB" smtClean="0"/>
-              <a:t>10/02/2023</a:t>
+              <a:t>19/02/2023</a:t>
             </a:fld>
             <a:endParaRPr lang="en-GB"/>
           </a:p>
@@ -10164,7 +10164,7 @@
           <a:p>
             <a:fld id="{28E8D346-A915-4882-A510-80C55F2B0290}" type="datetimeFigureOut">
               <a:rPr lang="en-GB" smtClean="0"/>
-              <a:t>10/02/2023</a:t>
+              <a:t>19/02/2023</a:t>
             </a:fld>
             <a:endParaRPr lang="en-GB"/>
           </a:p>
@@ -10737,7 +10737,7 @@
           <a:p>
             <a:fld id="{28E8D346-A915-4882-A510-80C55F2B0290}" type="datetimeFigureOut">
               <a:rPr lang="en-GB" smtClean="0"/>
-              <a:t>10/02/2023</a:t>
+              <a:t>19/02/2023</a:t>
             </a:fld>
             <a:endParaRPr lang="en-GB"/>
           </a:p>
@@ -10981,7 +10981,7 @@
           <a:p>
             <a:fld id="{28E8D346-A915-4882-A510-80C55F2B0290}" type="datetimeFigureOut">
               <a:rPr lang="en-GB" smtClean="0"/>
-              <a:t>10/02/2023</a:t>
+              <a:t>19/02/2023</a:t>
             </a:fld>
             <a:endParaRPr lang="en-GB"/>
           </a:p>
@@ -11167,7 +11167,7 @@
           <a:p>
             <a:fld id="{28E8D346-A915-4882-A510-80C55F2B0290}" type="datetimeFigureOut">
               <a:rPr lang="en-GB" smtClean="0"/>
-              <a:t>10/02/2023</a:t>
+              <a:t>19/02/2023</a:t>
             </a:fld>
             <a:endParaRPr lang="en-GB"/>
           </a:p>
@@ -11465,7 +11465,7 @@
           <a:p>
             <a:fld id="{28E8D346-A915-4882-A510-80C55F2B0290}" type="datetimeFigureOut">
               <a:rPr lang="en-GB" smtClean="0"/>
-              <a:t>10/02/2023</a:t>
+              <a:t>19/02/2023</a:t>
             </a:fld>
             <a:endParaRPr lang="en-GB"/>
           </a:p>
@@ -11900,7 +11900,7 @@
           <a:p>
             <a:fld id="{28E8D346-A915-4882-A510-80C55F2B0290}" type="datetimeFigureOut">
               <a:rPr lang="en-GB" smtClean="0"/>
-              <a:t>10/02/2023</a:t>
+              <a:t>19/02/2023</a:t>
             </a:fld>
             <a:endParaRPr lang="en-GB"/>
           </a:p>
@@ -12373,7 +12373,7 @@
           <a:p>
             <a:fld id="{28E8D346-A915-4882-A510-80C55F2B0290}" type="datetimeFigureOut">
               <a:rPr lang="en-GB" smtClean="0"/>
-              <a:t>10/02/2023</a:t>
+              <a:t>19/02/2023</a:t>
             </a:fld>
             <a:endParaRPr lang="en-GB"/>
           </a:p>
@@ -12826,7 +12826,7 @@
           <a:p>
             <a:fld id="{28E8D346-A915-4882-A510-80C55F2B0290}" type="datetimeFigureOut">
               <a:rPr lang="en-GB" smtClean="0"/>
-              <a:t>10/02/2023</a:t>
+              <a:t>19/02/2023</a:t>
             </a:fld>
             <a:endParaRPr lang="en-GB"/>
           </a:p>
@@ -13050,7 +13050,7 @@
           <a:p>
             <a:fld id="{28E8D346-A915-4882-A510-80C55F2B0290}" type="datetimeFigureOut">
               <a:rPr lang="en-GB" smtClean="0"/>
-              <a:t>10/02/2023</a:t>
+              <a:t>19/02/2023</a:t>
             </a:fld>
             <a:endParaRPr lang="en-GB"/>
           </a:p>
@@ -13276,7 +13276,7 @@
           <a:p>
             <a:fld id="{28E8D346-A915-4882-A510-80C55F2B0290}" type="datetimeFigureOut">
               <a:rPr lang="en-GB" smtClean="0"/>
-              <a:t>10/02/2023</a:t>
+              <a:t>19/02/2023</a:t>
             </a:fld>
             <a:endParaRPr lang="en-GB"/>
           </a:p>
@@ -13502,7 +13502,7 @@
           <a:p>
             <a:fld id="{28E8D346-A915-4882-A510-80C55F2B0290}" type="datetimeFigureOut">
               <a:rPr lang="en-GB" smtClean="0"/>
-              <a:t>10/02/2023</a:t>
+              <a:t>19/02/2023</a:t>
             </a:fld>
             <a:endParaRPr lang="en-GB"/>
           </a:p>
@@ -13650,7 +13650,7 @@
           <a:p>
             <a:fld id="{28E8D346-A915-4882-A510-80C55F2B0290}" type="datetimeFigureOut">
               <a:rPr lang="en-GB" smtClean="0"/>
-              <a:t>10/02/2023</a:t>
+              <a:t>19/02/2023</a:t>
             </a:fld>
             <a:endParaRPr lang="en-GB"/>
           </a:p>
@@ -14044,7 +14044,7 @@
           <a:p>
             <a:fld id="{28E8D346-A915-4882-A510-80C55F2B0290}" type="datetimeFigureOut">
               <a:rPr lang="en-GB" smtClean="0"/>
-              <a:t>10/02/2023</a:t>
+              <a:t>19/02/2023</a:t>
             </a:fld>
             <a:endParaRPr lang="en-GB"/>
           </a:p>
@@ -14601,7 +14601,7 @@
           <a:p>
             <a:fld id="{28E8D346-A915-4882-A510-80C55F2B0290}" type="datetimeFigureOut">
               <a:rPr lang="en-GB" smtClean="0"/>
-              <a:t>10/02/2023</a:t>
+              <a:t>19/02/2023</a:t>
             </a:fld>
             <a:endParaRPr lang="en-GB"/>
           </a:p>
@@ -15107,7 +15107,7 @@
           <a:p>
             <a:fld id="{28E8D346-A915-4882-A510-80C55F2B0290}" type="datetimeFigureOut">
               <a:rPr lang="en-GB" smtClean="0"/>
-              <a:t>10/02/2023</a:t>
+              <a:t>19/02/2023</a:t>
             </a:fld>
             <a:endParaRPr lang="en-GB"/>
           </a:p>
@@ -15505,7 +15505,7 @@
           <a:p>
             <a:fld id="{28E8D346-A915-4882-A510-80C55F2B0290}" type="datetimeFigureOut">
               <a:rPr lang="en-GB" smtClean="0"/>
-              <a:t>10/02/2023</a:t>
+              <a:t>19/02/2023</a:t>
             </a:fld>
             <a:endParaRPr lang="en-GB"/>
           </a:p>
@@ -16373,7 +16373,7 @@
           <a:p>
             <a:fld id="{9D27316D-C409-4712-90E5-1C58F0743890}" type="datetimeFigureOut">
               <a:rPr lang="en-GB" smtClean="0"/>
-              <a:t>10/02/2023</a:t>
+              <a:t>19/02/2023</a:t>
             </a:fld>
             <a:endParaRPr lang="en-GB"/>
           </a:p>
@@ -16869,7 +16869,7 @@
           <a:p>
             <a:r>
               <a:rPr lang="en-GB" dirty="0"/>
-              <a:t>Mini challenge 2</a:t>
+              <a:t>Mini challenge 3</a:t>
             </a:r>
           </a:p>
         </p:txBody>
@@ -17411,8 +17411,8 @@
           </a:p>
         </p:txBody>
       </p:sp>
-      <mc:AlternateContent xmlns:mc="http://schemas.openxmlformats.org/markup-compatibility/2006">
-        <mc:Choice xmlns:a14="http://schemas.microsoft.com/office/drawing/2010/main" Requires="a14">
+      <mc:AlternateContent xmlns:mc="http://schemas.openxmlformats.org/markup-compatibility/2006" xmlns:a14="http://schemas.microsoft.com/office/drawing/2010/main">
+        <mc:Choice Requires="a14">
           <p:graphicFrame>
             <p:nvGraphicFramePr>
               <p:cNvPr id="7" name="Table 7">
@@ -17722,7 +17722,7 @@
             </a:graphic>
           </p:graphicFrame>
         </mc:Choice>
-        <mc:Fallback>
+        <mc:Fallback xmlns="">
           <p:graphicFrame>
             <p:nvGraphicFramePr>
               <p:cNvPr id="7" name="Table 7">
@@ -18557,144 +18557,240 @@
           <a:chExt cx="0" cy="0"/>
         </a:xfrm>
       </p:grpSpPr>
-      <p:sp>
-        <p:nvSpPr>
-          <p:cNvPr id="2" name="Content Placeholder 1">
-            <a:extLst>
-              <a:ext uri="{FF2B5EF4-FFF2-40B4-BE49-F238E27FC236}">
-                <a16:creationId xmlns:a16="http://schemas.microsoft.com/office/drawing/2014/main" id="{F8258830-9444-7BE8-214B-17E900902496}"/>
-              </a:ext>
-            </a:extLst>
-          </p:cNvPr>
-          <p:cNvSpPr>
-            <a:spLocks noGrp="1"/>
-          </p:cNvSpPr>
-          <p:nvPr>
-            <p:ph sz="half" idx="1"/>
-          </p:nvPr>
-        </p:nvSpPr>
-        <p:spPr/>
-        <p:txBody>
-          <a:bodyPr>
-            <a:normAutofit fontScale="92500"/>
-          </a:bodyPr>
-          <a:lstStyle/>
-          <a:p>
-            <a:pPr marL="0" indent="0" algn="just">
-              <a:lnSpc>
-                <a:spcPct val="150000"/>
-              </a:lnSpc>
-              <a:buNone/>
-            </a:pPr>
-            <a:r>
-              <a:rPr lang="en-GB" sz="2000" dirty="0">
-                <a:latin typeface="Nexa-Bold" panose="01000000000000000000" pitchFamily="2" charset="0"/>
-              </a:rPr>
-              <a:t>Controller Node</a:t>
-            </a:r>
-          </a:p>
-          <a:p>
-            <a:pPr marL="457200" indent="-457200">
-              <a:lnSpc>
-                <a:spcPct val="150000"/>
-              </a:lnSpc>
-              <a:buFont typeface="+mj-lt"/>
-              <a:buAutoNum type="arabicPeriod"/>
-            </a:pPr>
-            <a:r>
-              <a:rPr lang="en-GB" sz="1400" dirty="0"/>
-              <a:t>Make a node called /controller” to generate a control input to the “/system” node.</a:t>
-            </a:r>
-          </a:p>
-          <a:p>
-            <a:pPr marL="457200" indent="-457200">
-              <a:lnSpc>
-                <a:spcPct val="150000"/>
-              </a:lnSpc>
-              <a:buFont typeface="+mj-lt"/>
-              <a:buAutoNum type="arabicPeriod"/>
-            </a:pPr>
-            <a:r>
-              <a:rPr lang="en-GB" sz="1400" dirty="0"/>
-              <a:t>The node must publish in the “/motor_input” topic and subscribe to the “/motor_output” and “/</a:t>
-            </a:r>
-            <a:r>
-              <a:rPr lang="en-GB" sz="1400" dirty="0" err="1"/>
-              <a:t>set_point</a:t>
-            </a:r>
-            <a:r>
-              <a:rPr lang="en-GB" sz="1400" dirty="0"/>
-              <a:t>” topics.</a:t>
-            </a:r>
-          </a:p>
-          <a:p>
-            <a:pPr marL="457200" indent="-457200">
-              <a:lnSpc>
-                <a:spcPct val="150000"/>
-              </a:lnSpc>
-              <a:buFont typeface="+mj-lt"/>
-              <a:buAutoNum type="arabicPeriod"/>
-            </a:pPr>
-            <a:r>
-              <a:rPr lang="en-GB" sz="1400" dirty="0"/>
-              <a:t>The messages for the “/motor_input” and “/motor_output” were shown previously (Slide 2).</a:t>
-            </a:r>
-          </a:p>
-          <a:p>
-            <a:pPr marL="457200" indent="-457200">
-              <a:lnSpc>
-                <a:spcPct val="150000"/>
-              </a:lnSpc>
-              <a:buFont typeface="+mj-lt"/>
-              <a:buAutoNum type="arabicPeriod" startAt="4"/>
-            </a:pPr>
-            <a:r>
-              <a:rPr lang="en-GB" sz="1400" dirty="0"/>
-              <a:t>The message for the “/</a:t>
-            </a:r>
-            <a:r>
-              <a:rPr lang="en-GB" sz="1400" dirty="0" err="1"/>
-              <a:t>set_point</a:t>
-            </a:r>
-            <a:r>
-              <a:rPr lang="en-GB" sz="1400" dirty="0"/>
-              <a:t>” topic </a:t>
-            </a:r>
-            <a:r>
-              <a:rPr lang="en-GB" sz="1400" u="sng" dirty="0"/>
-              <a:t>must be defined by the student.</a:t>
-            </a:r>
-          </a:p>
-          <a:p>
-            <a:pPr marL="914400" lvl="1" indent="-457200">
-              <a:lnSpc>
-                <a:spcPct val="150000"/>
-              </a:lnSpc>
-              <a:buFont typeface="+mj-lt"/>
-              <a:buAutoNum type="arabicPeriod"/>
-            </a:pPr>
-            <a:r>
-              <a:rPr lang="en-GB" sz="1400" dirty="0"/>
-              <a:t>Must be a custom message. </a:t>
-            </a:r>
-          </a:p>
-          <a:p>
-            <a:pPr marL="914400" lvl="1" indent="-457200">
-              <a:lnSpc>
-                <a:spcPct val="150000"/>
-              </a:lnSpc>
-              <a:buFont typeface="+mj-lt"/>
-              <a:buAutoNum type="arabicPeriod"/>
-            </a:pPr>
-            <a:r>
-              <a:rPr lang="en-GB" sz="1400" dirty="0"/>
-              <a:t>Must include at least 2 different variables.</a:t>
-            </a:r>
-          </a:p>
-        </p:txBody>
-      </p:sp>
       <mc:AlternateContent xmlns:mc="http://schemas.openxmlformats.org/markup-compatibility/2006">
         <mc:Choice xmlns:a14="http://schemas.microsoft.com/office/drawing/2010/main" Requires="a14">
+          <p:sp>
+            <p:nvSpPr>
+              <p:cNvPr id="2" name="Content Placeholder 1">
+                <a:extLst>
+                  <a:ext uri="{FF2B5EF4-FFF2-40B4-BE49-F238E27FC236}">
+                    <a16:creationId xmlns:a16="http://schemas.microsoft.com/office/drawing/2014/main" id="{F8258830-9444-7BE8-214B-17E900902496}"/>
+                  </a:ext>
+                </a:extLst>
+              </p:cNvPr>
+              <p:cNvSpPr>
+                <a:spLocks noGrp="1"/>
+              </p:cNvSpPr>
+              <p:nvPr>
+                <p:ph sz="half" idx="1"/>
+              </p:nvPr>
+            </p:nvSpPr>
+            <p:spPr/>
+            <p:txBody>
+              <a:bodyPr>
+                <a:normAutofit fontScale="92500" lnSpcReduction="20000"/>
+              </a:bodyPr>
+              <a:lstStyle/>
+              <a:p>
+                <a:pPr marL="0" indent="0" algn="just">
+                  <a:lnSpc>
+                    <a:spcPct val="150000"/>
+                  </a:lnSpc>
+                  <a:buNone/>
+                </a:pPr>
+                <a:r>
+                  <a:rPr lang="en-GB" sz="2000" dirty="0">
+                    <a:latin typeface="Nexa-Bold" panose="01000000000000000000" pitchFamily="2" charset="0"/>
+                  </a:rPr>
+                  <a:t>Controller Node</a:t>
+                </a:r>
+              </a:p>
+              <a:p>
+                <a:pPr marL="457200" indent="-457200">
+                  <a:lnSpc>
+                    <a:spcPct val="150000"/>
+                  </a:lnSpc>
+                  <a:buFont typeface="+mj-lt"/>
+                  <a:buAutoNum type="arabicPeriod"/>
+                </a:pPr>
+                <a:r>
+                  <a:rPr lang="en-GB" sz="1400" dirty="0"/>
+                  <a:t>Make a node called /controller” to generate a control input to the “/system” node.</a:t>
+                </a:r>
+              </a:p>
+              <a:p>
+                <a:pPr marL="457200" indent="-457200">
+                  <a:lnSpc>
+                    <a:spcPct val="150000"/>
+                  </a:lnSpc>
+                  <a:buFont typeface="+mj-lt"/>
+                  <a:buAutoNum type="arabicPeriod"/>
+                </a:pPr>
+                <a:r>
+                  <a:rPr lang="en-GB" sz="1400" dirty="0"/>
+                  <a:t>The node must publish in the “/motor_input” topic and subscribe to the “/motor_output” and “/</a:t>
+                </a:r>
+                <a:r>
+                  <a:rPr lang="en-GB" sz="1400" dirty="0" err="1"/>
+                  <a:t>set_point</a:t>
+                </a:r>
+                <a:r>
+                  <a:rPr lang="en-GB" sz="1400" dirty="0"/>
+                  <a:t>” topics.</a:t>
+                </a:r>
+              </a:p>
+              <a:p>
+                <a:pPr marL="457200" indent="-457200">
+                  <a:lnSpc>
+                    <a:spcPct val="150000"/>
+                  </a:lnSpc>
+                  <a:buFont typeface="+mj-lt"/>
+                  <a:buAutoNum type="arabicPeriod"/>
+                </a:pPr>
+                <a:r>
+                  <a:rPr lang="en-GB" sz="1400" dirty="0"/>
+                  <a:t>The messages for the “/motor_input” and “/motor_output” were shown previously (Slide 2).</a:t>
+                </a:r>
+              </a:p>
+              <a:p>
+                <a:pPr marL="457200" indent="-457200">
+                  <a:lnSpc>
+                    <a:spcPct val="150000"/>
+                  </a:lnSpc>
+                  <a:buFont typeface="+mj-lt"/>
+                  <a:buAutoNum type="arabicPeriod"/>
+                </a:pPr>
+                <a:r>
+                  <a:rPr lang="en-GB" sz="1400" dirty="0"/>
+                  <a:t>The output of the controller “/</a:t>
+                </a:r>
+                <a:r>
+                  <a:rPr lang="en-GB" sz="1400" dirty="0" err="1"/>
+                  <a:t>motor_input</a:t>
+                </a:r>
+                <a:r>
+                  <a:rPr lang="en-GB" sz="1400" dirty="0"/>
+                  <a:t>” must be bounded between in the interval -5 to 5 i.e., </a:t>
+                </a:r>
+                <a14:m>
+                  <m:oMath xmlns:m="http://schemas.openxmlformats.org/officeDocument/2006/math">
+                    <m:r>
+                      <a:rPr lang="en-US" sz="1400" b="0" i="1" smtClean="0">
+                        <a:latin typeface="Cambria Math" panose="02040503050406030204" pitchFamily="18" charset="0"/>
+                      </a:rPr>
+                      <m:t>𝑢</m:t>
+                    </m:r>
+                    <m:r>
+                      <a:rPr lang="en-US" sz="1400" b="0" i="1" smtClean="0">
+                        <a:latin typeface="Cambria Math" panose="02040503050406030204" pitchFamily="18" charset="0"/>
+                      </a:rPr>
+                      <m:t>(</m:t>
+                    </m:r>
+                    <m:r>
+                      <a:rPr lang="en-US" sz="1400" b="0" i="1" smtClean="0">
+                        <a:latin typeface="Cambria Math" panose="02040503050406030204" pitchFamily="18" charset="0"/>
+                      </a:rPr>
+                      <m:t>𝑘</m:t>
+                    </m:r>
+                    <m:r>
+                      <a:rPr lang="en-US" sz="1400" b="0" i="1" smtClean="0">
+                        <a:latin typeface="Cambria Math" panose="02040503050406030204" pitchFamily="18" charset="0"/>
+                      </a:rPr>
+                      <m:t>)∈[−5,5]</m:t>
+                    </m:r>
+                  </m:oMath>
+                </a14:m>
+                <a:r>
+                  <a:rPr lang="en-GB" sz="1400" dirty="0"/>
+                  <a:t>.</a:t>
+                </a:r>
+              </a:p>
+              <a:p>
+                <a:pPr marL="457200" indent="-457200">
+                  <a:lnSpc>
+                    <a:spcPct val="150000"/>
+                  </a:lnSpc>
+                  <a:buFont typeface="+mj-lt"/>
+                  <a:buAutoNum type="arabicPeriod"/>
+                </a:pPr>
+                <a:r>
+                  <a:rPr lang="en-GB" sz="1400" dirty="0"/>
+                  <a:t>The message for the “/</a:t>
+                </a:r>
+                <a:r>
+                  <a:rPr lang="en-GB" sz="1400" dirty="0" err="1"/>
+                  <a:t>set_point</a:t>
+                </a:r>
+                <a:r>
+                  <a:rPr lang="en-GB" sz="1400" dirty="0"/>
+                  <a:t>” topic </a:t>
+                </a:r>
+                <a:r>
+                  <a:rPr lang="en-GB" sz="1400" u="sng" dirty="0"/>
+                  <a:t>must be defined by the student.</a:t>
+                </a:r>
+              </a:p>
+              <a:p>
+                <a:pPr marL="914400" lvl="1" indent="-457200">
+                  <a:lnSpc>
+                    <a:spcPct val="150000"/>
+                  </a:lnSpc>
+                  <a:buFont typeface="+mj-lt"/>
+                  <a:buAutoNum type="arabicPeriod"/>
+                </a:pPr>
+                <a:r>
+                  <a:rPr lang="en-GB" sz="1400" dirty="0"/>
+                  <a:t>Must be a custom message. </a:t>
+                </a:r>
+              </a:p>
+              <a:p>
+                <a:pPr marL="914400" lvl="1" indent="-457200">
+                  <a:lnSpc>
+                    <a:spcPct val="150000"/>
+                  </a:lnSpc>
+                  <a:buFont typeface="+mj-lt"/>
+                  <a:buAutoNum type="arabicPeriod"/>
+                </a:pPr>
+                <a:r>
+                  <a:rPr lang="en-GB" sz="1400" dirty="0"/>
+                  <a:t>Must include at least 2 different variables.</a:t>
+                </a:r>
+              </a:p>
+            </p:txBody>
+          </p:sp>
+        </mc:Choice>
+        <mc:Fallback>
+          <p:sp>
+            <p:nvSpPr>
+              <p:cNvPr id="2" name="Content Placeholder 1">
+                <a:extLst>
+                  <a:ext uri="{FF2B5EF4-FFF2-40B4-BE49-F238E27FC236}">
+                    <a16:creationId xmlns:a16="http://schemas.microsoft.com/office/drawing/2014/main" id="{F8258830-9444-7BE8-214B-17E900902496}"/>
+                  </a:ext>
+                </a:extLst>
+              </p:cNvPr>
+              <p:cNvSpPr>
+                <a:spLocks noGrp="1" noRot="1" noChangeAspect="1" noMove="1" noResize="1" noEditPoints="1" noAdjustHandles="1" noChangeArrowheads="1" noChangeShapeType="1" noTextEdit="1"/>
+              </p:cNvSpPr>
+              <p:nvPr>
+                <p:ph sz="half" idx="1"/>
+              </p:nvPr>
+            </p:nvSpPr>
+            <p:spPr>
+              <a:blipFill>
+                <a:blip r:embed="rId3"/>
+                <a:stretch>
+                  <a:fillRect l="-1176" b="-840"/>
+                </a:stretch>
+              </a:blipFill>
+            </p:spPr>
+            <p:txBody>
+              <a:bodyPr/>
+              <a:lstStyle/>
+              <a:p>
+                <a:r>
+                  <a:rPr lang="en-GB">
+                    <a:noFill/>
+                  </a:rPr>
+                  <a:t> </a:t>
+                </a:r>
+              </a:p>
+            </p:txBody>
+          </p:sp>
+        </mc:Fallback>
+      </mc:AlternateContent>
+      <mc:AlternateContent xmlns:mc="http://schemas.openxmlformats.org/markup-compatibility/2006" xmlns:a14="http://schemas.microsoft.com/office/drawing/2010/main">
+        <mc:Choice Requires="a14">
           <p:sp>
             <p:nvSpPr>
               <p:cNvPr id="3" name="Content Placeholder 2">
@@ -19388,7 +19484,7 @@
                 </a:r>
                 <a:r>
                   <a:rPr lang="en-GB" sz="1400" dirty="0">
-                    <a:hlinkClick r:id="rId3"/>
+                    <a:hlinkClick r:id="rId4"/>
                   </a:rPr>
                   <a:t>here</a:t>
                 </a:r>
@@ -19400,7 +19496,7 @@
             </p:txBody>
           </p:sp>
         </mc:Choice>
-        <mc:Fallback>
+        <mc:Fallback xmlns="">
           <p:sp>
             <p:nvSpPr>
               <p:cNvPr id="3" name="Content Placeholder 2">
@@ -19423,7 +19519,7 @@
                 <a:ext cx="5181600" cy="5067300"/>
               </a:xfrm>
               <a:blipFill>
-                <a:blip r:embed="rId4"/>
+                <a:blip r:embed="rId5"/>
                 <a:stretch>
                   <a:fillRect l="-1176" t="-602"/>
                 </a:stretch>
